--- a/Having Fun/Having Fun.pptx
+++ b/Having Fun/Having Fun.pptx
@@ -860,7 +860,7 @@
             <a:fld id="{B61BEF0D-F0BB-DE4B-95CE-6DB70DBA9567}" type="datetimeFigureOut">
               <a:rPr lang="en-US" dirty="0"/>
               <a:pPr/>
-              <a:t>3/18/2019</a:t>
+              <a:t>3/19/2019</a:t>
             </a:fld>
             <a:endParaRPr lang="en-US" dirty="0"/>
           </a:p>
@@ -1108,7 +1108,7 @@
             <a:fld id="{B61BEF0D-F0BB-DE4B-95CE-6DB70DBA9567}" type="datetimeFigureOut">
               <a:rPr lang="en-US" dirty="0"/>
               <a:pPr/>
-              <a:t>3/18/2019</a:t>
+              <a:t>3/19/2019</a:t>
             </a:fld>
             <a:endParaRPr lang="en-US" dirty="0"/>
           </a:p>
@@ -1419,7 +1419,7 @@
             <a:fld id="{B61BEF0D-F0BB-DE4B-95CE-6DB70DBA9567}" type="datetimeFigureOut">
               <a:rPr lang="en-US" dirty="0"/>
               <a:pPr/>
-              <a:t>3/18/2019</a:t>
+              <a:t>3/19/2019</a:t>
             </a:fld>
             <a:endParaRPr lang="en-US" dirty="0"/>
           </a:p>
@@ -1749,7 +1749,7 @@
             <a:fld id="{B61BEF0D-F0BB-DE4B-95CE-6DB70DBA9567}" type="datetimeFigureOut">
               <a:rPr lang="en-US" dirty="0"/>
               <a:pPr/>
-              <a:t>3/18/2019</a:t>
+              <a:t>3/19/2019</a:t>
             </a:fld>
             <a:endParaRPr lang="en-US" dirty="0"/>
           </a:p>
@@ -2060,7 +2060,7 @@
             <a:fld id="{B61BEF0D-F0BB-DE4B-95CE-6DB70DBA9567}" type="datetimeFigureOut">
               <a:rPr lang="en-US" dirty="0"/>
               <a:pPr/>
-              <a:t>3/18/2019</a:t>
+              <a:t>3/19/2019</a:t>
             </a:fld>
             <a:endParaRPr lang="en-US" dirty="0"/>
           </a:p>
@@ -2450,7 +2450,7 @@
             <a:fld id="{B61BEF0D-F0BB-DE4B-95CE-6DB70DBA9567}" type="datetimeFigureOut">
               <a:rPr lang="en-US" dirty="0"/>
               <a:pPr/>
-              <a:t>3/18/2019</a:t>
+              <a:t>3/19/2019</a:t>
             </a:fld>
             <a:endParaRPr lang="en-US" dirty="0"/>
           </a:p>
@@ -2616,7 +2616,7 @@
           <a:p>
             <a:fld id="{55C6B4A9-1611-4792-9094-5F34BCA07E0B}" type="datetimeFigureOut">
               <a:rPr lang="en-US" dirty="0"/>
-              <a:t>3/18/2019</a:t>
+              <a:t>3/19/2019</a:t>
             </a:fld>
             <a:endParaRPr lang="en-US" dirty="0"/>
           </a:p>
@@ -2792,7 +2792,7 @@
             <a:fld id="{B61BEF0D-F0BB-DE4B-95CE-6DB70DBA9567}" type="datetimeFigureOut">
               <a:rPr lang="en-US" dirty="0"/>
               <a:pPr/>
-              <a:t>3/18/2019</a:t>
+              <a:t>3/19/2019</a:t>
             </a:fld>
             <a:endParaRPr lang="en-US" dirty="0"/>
           </a:p>
@@ -2958,7 +2958,7 @@
           <a:p>
             <a:fld id="{42A54C80-263E-416B-A8E0-580EDEADCBDC}" type="datetimeFigureOut">
               <a:rPr lang="en-US" dirty="0"/>
-              <a:t>3/18/2019</a:t>
+              <a:t>3/19/2019</a:t>
             </a:fld>
             <a:endParaRPr lang="en-US" dirty="0"/>
           </a:p>
@@ -3201,7 +3201,7 @@
             <a:fld id="{B61BEF0D-F0BB-DE4B-95CE-6DB70DBA9567}" type="datetimeFigureOut">
               <a:rPr lang="en-US" dirty="0"/>
               <a:pPr/>
-              <a:t>3/18/2019</a:t>
+              <a:t>3/19/2019</a:t>
             </a:fld>
             <a:endParaRPr lang="en-US" dirty="0"/>
           </a:p>
@@ -3429,7 +3429,7 @@
           <a:p>
             <a:fld id="{42A54C80-263E-416B-A8E0-580EDEADCBDC}" type="datetimeFigureOut">
               <a:rPr lang="en-US" dirty="0"/>
-              <a:t>3/18/2019</a:t>
+              <a:t>3/19/2019</a:t>
             </a:fld>
             <a:endParaRPr lang="en-US" dirty="0"/>
           </a:p>
@@ -3799,7 +3799,7 @@
             <a:fld id="{B61BEF0D-F0BB-DE4B-95CE-6DB70DBA9567}" type="datetimeFigureOut">
               <a:rPr lang="en-US" dirty="0"/>
               <a:pPr/>
-              <a:t>3/18/2019</a:t>
+              <a:t>3/19/2019</a:t>
             </a:fld>
             <a:endParaRPr lang="en-US" dirty="0"/>
           </a:p>
@@ -3919,7 +3919,7 @@
             <a:fld id="{B61BEF0D-F0BB-DE4B-95CE-6DB70DBA9567}" type="datetimeFigureOut">
               <a:rPr lang="en-US" dirty="0"/>
               <a:pPr/>
-              <a:t>3/18/2019</a:t>
+              <a:t>3/19/2019</a:t>
             </a:fld>
             <a:endParaRPr lang="en-US" dirty="0"/>
           </a:p>
@@ -4011,7 +4011,7 @@
             <a:fld id="{B61BEF0D-F0BB-DE4B-95CE-6DB70DBA9567}" type="datetimeFigureOut">
               <a:rPr lang="en-US" dirty="0"/>
               <a:pPr/>
-              <a:t>3/18/2019</a:t>
+              <a:t>3/19/2019</a:t>
             </a:fld>
             <a:endParaRPr lang="en-US" dirty="0"/>
           </a:p>
@@ -4262,7 +4262,7 @@
           <a:p>
             <a:fld id="{42A54C80-263E-416B-A8E0-580EDEADCBDC}" type="datetimeFigureOut">
               <a:rPr lang="en-US" dirty="0"/>
-              <a:t>3/18/2019</a:t>
+              <a:t>3/19/2019</a:t>
             </a:fld>
             <a:endParaRPr lang="en-US" dirty="0"/>
           </a:p>
@@ -4564,7 +4564,7 @@
             <a:fld id="{B61BEF0D-F0BB-DE4B-95CE-6DB70DBA9567}" type="datetimeFigureOut">
               <a:rPr lang="en-US" dirty="0"/>
               <a:pPr/>
-              <a:t>3/18/2019</a:t>
+              <a:t>3/19/2019</a:t>
             </a:fld>
             <a:endParaRPr lang="en-US" dirty="0"/>
           </a:p>
@@ -5262,7 +5262,7 @@
             <a:fld id="{B61BEF0D-F0BB-DE4B-95CE-6DB70DBA9567}" type="datetimeFigureOut">
               <a:rPr lang="en-US" dirty="0"/>
               <a:pPr/>
-              <a:t>3/18/2019</a:t>
+              <a:t>3/19/2019</a:t>
             </a:fld>
             <a:endParaRPr lang="en-US" dirty="0"/>
           </a:p>
@@ -5768,6 +5768,14 @@
 <file path=ppt/slides/slide1.xml><?xml version="1.0" encoding="utf-8"?>
 <p:sld xmlns:a="http://schemas.openxmlformats.org/drawingml/2006/main" xmlns:r="http://schemas.openxmlformats.org/officeDocument/2006/relationships" xmlns:p="http://schemas.openxmlformats.org/presentationml/2006/main">
   <p:cSld>
+    <p:bg>
+      <p:bgPr>
+        <a:solidFill>
+          <a:schemeClr val="bg1"/>
+        </a:solidFill>
+        <a:effectLst/>
+      </p:bgPr>
+    </p:bg>
     <p:spTree>
       <p:nvGrpSpPr>
         <p:cNvPr id="1" name=""/>
@@ -5782,6 +5790,501 @@
           <a:chExt cx="0" cy="0"/>
         </a:xfrm>
       </p:grpSpPr>
+      <p:pic>
+        <p:nvPicPr>
+          <p:cNvPr id="1026" name="Picture 2" descr="Image result for travel vacation">
+            <a:extLst>
+              <a:ext uri="{FF2B5EF4-FFF2-40B4-BE49-F238E27FC236}">
+                <a16:creationId xmlns:a16="http://schemas.microsoft.com/office/drawing/2014/main" id="{B80E8B08-F98C-49B8-9859-039B15DEBFC0}"/>
+              </a:ext>
+            </a:extLst>
+          </p:cNvPr>
+          <p:cNvPicPr>
+            <a:picLocks noChangeAspect="1" noChangeArrowheads="1"/>
+          </p:cNvPicPr>
+          <p:nvPr/>
+        </p:nvPicPr>
+        <p:blipFill rotWithShape="1">
+          <a:blip r:embed="rId2">
+            <a:extLst>
+              <a:ext uri="{28A0092B-C50C-407E-A947-70E740481C1C}">
+                <a14:useLocalDpi xmlns:a14="http://schemas.microsoft.com/office/drawing/2010/main" val="0"/>
+              </a:ext>
+            </a:extLst>
+          </a:blip>
+          <a:srcRect l="9091" t="18098" b="5294"/>
+          <a:stretch/>
+        </p:blipFill>
+        <p:spPr bwMode="auto">
+          <a:xfrm>
+            <a:off x="1" y="10"/>
+            <a:ext cx="12191999" cy="6857990"/>
+          </a:xfrm>
+          <a:prstGeom prst="rect">
+            <a:avLst/>
+          </a:prstGeom>
+          <a:noFill/>
+          <a:extLst>
+            <a:ext uri="{909E8E84-426E-40DD-AFC4-6F175D3DCCD1}">
+              <a14:hiddenFill xmlns:a14="http://schemas.microsoft.com/office/drawing/2010/main">
+                <a:solidFill>
+                  <a:srgbClr val="FFFFFF"/>
+                </a:solidFill>
+              </a14:hiddenFill>
+            </a:ext>
+          </a:extLst>
+        </p:spPr>
+      </p:pic>
+      <p:sp>
+        <p:nvSpPr>
+          <p:cNvPr id="1028" name="Isosceles Triangle 70">
+            <a:extLst>
+              <a:ext uri="{FF2B5EF4-FFF2-40B4-BE49-F238E27FC236}">
+                <a16:creationId xmlns:a16="http://schemas.microsoft.com/office/drawing/2014/main" id="{0FF9F10B-8764-4B6C-9EBC-4FBE9AC1AC7C}"/>
+              </a:ext>
+              <a:ext uri="{C183D7F6-B498-43B3-948B-1728B52AA6E4}">
+                <adec:decorative xmlns:adec="http://schemas.microsoft.com/office/drawing/2017/decorative" val="1"/>
+              </a:ext>
+            </a:extLst>
+          </p:cNvPr>
+          <p:cNvSpPr>
+            <a:spLocks noGrp="1" noRot="1" noChangeAspect="1" noMove="1" noResize="1" noEditPoints="1" noAdjustHandles="1" noChangeArrowheads="1" noChangeShapeType="1" noTextEdit="1"/>
+          </p:cNvSpPr>
+          <p:nvPr>
+            <p:extLst>
+              <p:ext uri="{386F3935-93C4-4BCD-93E2-E3B085C9AB24}">
+                <p16:designElem xmlns:p16="http://schemas.microsoft.com/office/powerpoint/2015/main" val="1"/>
+              </p:ext>
+            </p:extLst>
+          </p:nvPr>
+        </p:nvSpPr>
+        <p:spPr>
+          <a:xfrm rot="10800000">
+            <a:off x="0" y="0"/>
+            <a:ext cx="842596" cy="5666154"/>
+          </a:xfrm>
+          <a:prstGeom prst="triangle">
+            <a:avLst>
+              <a:gd name="adj" fmla="val 100000"/>
+            </a:avLst>
+          </a:prstGeom>
+          <a:solidFill>
+            <a:schemeClr val="accent1">
+              <a:alpha val="85000"/>
+            </a:schemeClr>
+          </a:solidFill>
+          <a:ln>
+            <a:noFill/>
+          </a:ln>
+          <a:effectLst/>
+        </p:spPr>
+        <p:style>
+          <a:lnRef idx="1">
+            <a:schemeClr val="accent1"/>
+          </a:lnRef>
+          <a:fillRef idx="3">
+            <a:schemeClr val="accent1"/>
+          </a:fillRef>
+          <a:effectRef idx="2">
+            <a:schemeClr val="accent1"/>
+          </a:effectRef>
+          <a:fontRef idx="minor">
+            <a:schemeClr val="lt1"/>
+          </a:fontRef>
+        </p:style>
+      </p:sp>
+      <p:sp>
+        <p:nvSpPr>
+          <p:cNvPr id="1029" name="Parallelogram 72">
+            <a:extLst>
+              <a:ext uri="{FF2B5EF4-FFF2-40B4-BE49-F238E27FC236}">
+                <a16:creationId xmlns:a16="http://schemas.microsoft.com/office/drawing/2014/main" id="{4DC5F81A-AB66-427C-B973-546BE1B7EDD0}"/>
+              </a:ext>
+              <a:ext uri="{C183D7F6-B498-43B3-948B-1728B52AA6E4}">
+                <adec:decorative xmlns:adec="http://schemas.microsoft.com/office/drawing/2017/decorative" val="1"/>
+              </a:ext>
+            </a:extLst>
+          </p:cNvPr>
+          <p:cNvSpPr>
+            <a:spLocks noGrp="1" noRot="1" noChangeAspect="1" noMove="1" noResize="1" noEditPoints="1" noAdjustHandles="1" noChangeArrowheads="1" noChangeShapeType="1" noTextEdit="1"/>
+          </p:cNvSpPr>
+          <p:nvPr>
+            <p:extLst>
+              <p:ext uri="{386F3935-93C4-4BCD-93E2-E3B085C9AB24}">
+                <p16:designElem xmlns:p16="http://schemas.microsoft.com/office/powerpoint/2015/main" val="1"/>
+              </p:ext>
+            </p:extLst>
+          </p:nvPr>
+        </p:nvSpPr>
+        <p:spPr>
+          <a:xfrm>
+            <a:off x="3684541" y="0"/>
+            <a:ext cx="7315200" cy="6858000"/>
+          </a:xfrm>
+          <a:prstGeom prst="parallelogram">
+            <a:avLst>
+              <a:gd name="adj" fmla="val 14937"/>
+            </a:avLst>
+          </a:prstGeom>
+          <a:solidFill>
+            <a:schemeClr val="bg1">
+              <a:alpha val="90000"/>
+            </a:schemeClr>
+          </a:solidFill>
+          <a:ln>
+            <a:noFill/>
+          </a:ln>
+          <a:effectLst/>
+        </p:spPr>
+        <p:style>
+          <a:lnRef idx="1">
+            <a:schemeClr val="accent1"/>
+          </a:lnRef>
+          <a:fillRef idx="3">
+            <a:schemeClr val="accent1"/>
+          </a:fillRef>
+          <a:effectRef idx="2">
+            <a:schemeClr val="accent1"/>
+          </a:effectRef>
+          <a:fontRef idx="minor">
+            <a:schemeClr val="lt1"/>
+          </a:fontRef>
+        </p:style>
+        <p:txBody>
+          <a:bodyPr rtlCol="0" anchor="ctr"/>
+          <a:lstStyle/>
+          <a:p>
+            <a:pPr algn="ctr"/>
+            <a:endParaRPr lang="en-US"/>
+          </a:p>
+        </p:txBody>
+      </p:sp>
+      <p:cxnSp>
+        <p:nvCxnSpPr>
+          <p:cNvPr id="1030" name="Straight Connector 74">
+            <a:extLst>
+              <a:ext uri="{FF2B5EF4-FFF2-40B4-BE49-F238E27FC236}">
+                <a16:creationId xmlns:a16="http://schemas.microsoft.com/office/drawing/2014/main" id="{2146C810-9BC7-4BEB-A44C-B70C5B3DC9D2}"/>
+              </a:ext>
+              <a:ext uri="{C183D7F6-B498-43B3-948B-1728B52AA6E4}">
+                <adec:decorative xmlns:adec="http://schemas.microsoft.com/office/drawing/2017/decorative" val="1"/>
+              </a:ext>
+            </a:extLst>
+          </p:cNvPr>
+          <p:cNvCxnSpPr>
+            <a:cxnSpLocks noGrp="1" noRot="1" noChangeAspect="1" noMove="1" noResize="1" noEditPoints="1" noAdjustHandles="1" noChangeArrowheads="1" noChangeShapeType="1"/>
+          </p:cNvCxnSpPr>
+          <p:nvPr>
+            <p:extLst>
+              <p:ext uri="{386F3935-93C4-4BCD-93E2-E3B085C9AB24}">
+                <p16:designElem xmlns:p16="http://schemas.microsoft.com/office/powerpoint/2015/main" val="1"/>
+              </p:ext>
+            </p:extLst>
+          </p:nvPr>
+        </p:nvCxnSpPr>
+        <p:spPr>
+          <a:xfrm>
+            <a:off x="9371012" y="0"/>
+            <a:ext cx="1219200" cy="6858000"/>
+          </a:xfrm>
+          <a:prstGeom prst="line">
+            <a:avLst/>
+          </a:prstGeom>
+          <a:ln w="9525">
+            <a:solidFill>
+              <a:schemeClr val="bg1">
+                <a:lumMod val="75000"/>
+              </a:schemeClr>
+            </a:solidFill>
+          </a:ln>
+        </p:spPr>
+        <p:style>
+          <a:lnRef idx="2">
+            <a:schemeClr val="accent1"/>
+          </a:lnRef>
+          <a:fillRef idx="0">
+            <a:schemeClr val="accent1"/>
+          </a:fillRef>
+          <a:effectRef idx="1">
+            <a:schemeClr val="accent1"/>
+          </a:effectRef>
+          <a:fontRef idx="minor">
+            <a:schemeClr val="tx1"/>
+          </a:fontRef>
+        </p:style>
+      </p:cxnSp>
+      <p:cxnSp>
+        <p:nvCxnSpPr>
+          <p:cNvPr id="1031" name="Straight Connector 76">
+            <a:extLst>
+              <a:ext uri="{FF2B5EF4-FFF2-40B4-BE49-F238E27FC236}">
+                <a16:creationId xmlns:a16="http://schemas.microsoft.com/office/drawing/2014/main" id="{F5ADF6C1-FC3E-4CEF-ACAA-1E533A927942}"/>
+              </a:ext>
+              <a:ext uri="{C183D7F6-B498-43B3-948B-1728B52AA6E4}">
+                <adec:decorative xmlns:adec="http://schemas.microsoft.com/office/drawing/2017/decorative" val="1"/>
+              </a:ext>
+            </a:extLst>
+          </p:cNvPr>
+          <p:cNvCxnSpPr>
+            <a:cxnSpLocks noGrp="1" noRot="1" noChangeAspect="1" noMove="1" noResize="1" noEditPoints="1" noAdjustHandles="1" noChangeArrowheads="1" noChangeShapeType="1"/>
+          </p:cNvCxnSpPr>
+          <p:nvPr>
+            <p:extLst>
+              <p:ext uri="{386F3935-93C4-4BCD-93E2-E3B085C9AB24}">
+                <p16:designElem xmlns:p16="http://schemas.microsoft.com/office/powerpoint/2015/main" val="1"/>
+              </p:ext>
+            </p:extLst>
+          </p:nvPr>
+        </p:nvCxnSpPr>
+        <p:spPr>
+          <a:xfrm flipH="1">
+            <a:off x="7425267" y="3681413"/>
+            <a:ext cx="4763558" cy="3176587"/>
+          </a:xfrm>
+          <a:prstGeom prst="line">
+            <a:avLst/>
+          </a:prstGeom>
+          <a:ln w="9525">
+            <a:solidFill>
+              <a:schemeClr val="bg1">
+                <a:lumMod val="85000"/>
+              </a:schemeClr>
+            </a:solidFill>
+          </a:ln>
+        </p:spPr>
+        <p:style>
+          <a:lnRef idx="2">
+            <a:schemeClr val="accent1"/>
+          </a:lnRef>
+          <a:fillRef idx="0">
+            <a:schemeClr val="accent1"/>
+          </a:fillRef>
+          <a:effectRef idx="1">
+            <a:schemeClr val="accent1"/>
+          </a:effectRef>
+          <a:fontRef idx="minor">
+            <a:schemeClr val="tx1"/>
+          </a:fontRef>
+        </p:style>
+      </p:cxnSp>
+      <p:sp>
+        <p:nvSpPr>
+          <p:cNvPr id="1032" name="Rectangle 23">
+            <a:extLst>
+              <a:ext uri="{FF2B5EF4-FFF2-40B4-BE49-F238E27FC236}">
+                <a16:creationId xmlns:a16="http://schemas.microsoft.com/office/drawing/2014/main" id="{BE11B7D3-FC4D-4157-827F-D418D4AF3C3B}"/>
+              </a:ext>
+              <a:ext uri="{C183D7F6-B498-43B3-948B-1728B52AA6E4}">
+                <adec:decorative xmlns:adec="http://schemas.microsoft.com/office/drawing/2017/decorative" val="1"/>
+              </a:ext>
+            </a:extLst>
+          </p:cNvPr>
+          <p:cNvSpPr>
+            <a:spLocks noGrp="1" noRot="1" noChangeAspect="1" noMove="1" noResize="1" noEditPoints="1" noAdjustHandles="1" noChangeArrowheads="1" noChangeShapeType="1" noTextEdit="1"/>
+          </p:cNvSpPr>
+          <p:nvPr>
+            <p:extLst>
+              <p:ext uri="{386F3935-93C4-4BCD-93E2-E3B085C9AB24}">
+                <p16:designElem xmlns:p16="http://schemas.microsoft.com/office/powerpoint/2015/main" val="1"/>
+              </p:ext>
+            </p:extLst>
+          </p:nvPr>
+        </p:nvSpPr>
+        <p:spPr>
+          <a:xfrm>
+            <a:off x="9181476" y="-8467"/>
+            <a:ext cx="3007349" cy="6866467"/>
+          </a:xfrm>
+          <a:custGeom>
+            <a:avLst/>
+            <a:gdLst/>
+            <a:ahLst/>
+            <a:cxnLst/>
+            <a:rect l="l" t="t" r="r" b="b"/>
+            <a:pathLst>
+              <a:path w="3007349" h="6866467">
+                <a:moveTo>
+                  <a:pt x="2045532" y="0"/>
+                </a:moveTo>
+                <a:lnTo>
+                  <a:pt x="3007349" y="0"/>
+                </a:lnTo>
+                <a:lnTo>
+                  <a:pt x="3007349" y="6866467"/>
+                </a:lnTo>
+                <a:lnTo>
+                  <a:pt x="0" y="6866467"/>
+                </a:lnTo>
+                <a:lnTo>
+                  <a:pt x="2045532" y="0"/>
+                </a:lnTo>
+                <a:close/>
+              </a:path>
+            </a:pathLst>
+          </a:custGeom>
+          <a:solidFill>
+            <a:schemeClr val="accent1">
+              <a:alpha val="30000"/>
+            </a:schemeClr>
+          </a:solidFill>
+          <a:ln>
+            <a:noFill/>
+          </a:ln>
+          <a:effectLst/>
+        </p:spPr>
+        <p:style>
+          <a:lnRef idx="1">
+            <a:schemeClr val="accent1"/>
+          </a:lnRef>
+          <a:fillRef idx="3">
+            <a:schemeClr val="accent1"/>
+          </a:fillRef>
+          <a:effectRef idx="2">
+            <a:schemeClr val="accent1"/>
+          </a:effectRef>
+          <a:fontRef idx="minor">
+            <a:schemeClr val="lt1"/>
+          </a:fontRef>
+        </p:style>
+      </p:sp>
+      <p:sp>
+        <p:nvSpPr>
+          <p:cNvPr id="1033" name="Rectangle 25">
+            <a:extLst>
+              <a:ext uri="{FF2B5EF4-FFF2-40B4-BE49-F238E27FC236}">
+                <a16:creationId xmlns:a16="http://schemas.microsoft.com/office/drawing/2014/main" id="{F9CA2FB3-69C5-4A17-880A-34C260DF3C4F}"/>
+              </a:ext>
+              <a:ext uri="{C183D7F6-B498-43B3-948B-1728B52AA6E4}">
+                <adec:decorative xmlns:adec="http://schemas.microsoft.com/office/drawing/2017/decorative" val="1"/>
+              </a:ext>
+            </a:extLst>
+          </p:cNvPr>
+          <p:cNvSpPr>
+            <a:spLocks noGrp="1" noRot="1" noChangeAspect="1" noMove="1" noResize="1" noEditPoints="1" noAdjustHandles="1" noChangeArrowheads="1" noChangeShapeType="1" noTextEdit="1"/>
+          </p:cNvSpPr>
+          <p:nvPr>
+            <p:extLst>
+              <p:ext uri="{386F3935-93C4-4BCD-93E2-E3B085C9AB24}">
+                <p16:designElem xmlns:p16="http://schemas.microsoft.com/office/powerpoint/2015/main" val="1"/>
+              </p:ext>
+            </p:extLst>
+          </p:nvPr>
+        </p:nvSpPr>
+        <p:spPr>
+          <a:xfrm>
+            <a:off x="9603442" y="-8467"/>
+            <a:ext cx="2588558" cy="6866467"/>
+          </a:xfrm>
+          <a:custGeom>
+            <a:avLst/>
+            <a:gdLst/>
+            <a:ahLst/>
+            <a:cxnLst/>
+            <a:rect l="l" t="t" r="r" b="b"/>
+            <a:pathLst>
+              <a:path w="2573311" h="6866467">
+                <a:moveTo>
+                  <a:pt x="0" y="0"/>
+                </a:moveTo>
+                <a:lnTo>
+                  <a:pt x="2573311" y="0"/>
+                </a:lnTo>
+                <a:lnTo>
+                  <a:pt x="2573311" y="6866467"/>
+                </a:lnTo>
+                <a:lnTo>
+                  <a:pt x="1202336" y="6866467"/>
+                </a:lnTo>
+                <a:lnTo>
+                  <a:pt x="0" y="0"/>
+                </a:lnTo>
+                <a:close/>
+              </a:path>
+            </a:pathLst>
+          </a:custGeom>
+          <a:solidFill>
+            <a:schemeClr val="accent1">
+              <a:alpha val="20000"/>
+            </a:schemeClr>
+          </a:solidFill>
+          <a:ln>
+            <a:noFill/>
+          </a:ln>
+          <a:effectLst/>
+        </p:spPr>
+        <p:style>
+          <a:lnRef idx="1">
+            <a:schemeClr val="accent1"/>
+          </a:lnRef>
+          <a:fillRef idx="3">
+            <a:schemeClr val="accent1"/>
+          </a:fillRef>
+          <a:effectRef idx="2">
+            <a:schemeClr val="accent1"/>
+          </a:effectRef>
+          <a:fontRef idx="minor">
+            <a:schemeClr val="lt1"/>
+          </a:fontRef>
+        </p:style>
+      </p:sp>
+      <p:sp>
+        <p:nvSpPr>
+          <p:cNvPr id="1034" name="Isosceles Triangle 82">
+            <a:extLst>
+              <a:ext uri="{FF2B5EF4-FFF2-40B4-BE49-F238E27FC236}">
+                <a16:creationId xmlns:a16="http://schemas.microsoft.com/office/drawing/2014/main" id="{A3B42260-CA72-429A-AEFF-A2778C7BC6F5}"/>
+              </a:ext>
+              <a:ext uri="{C183D7F6-B498-43B3-948B-1728B52AA6E4}">
+                <adec:decorative xmlns:adec="http://schemas.microsoft.com/office/drawing/2017/decorative" val="1"/>
+              </a:ext>
+            </a:extLst>
+          </p:cNvPr>
+          <p:cNvSpPr>
+            <a:spLocks noGrp="1" noRot="1" noChangeAspect="1" noMove="1" noResize="1" noEditPoints="1" noAdjustHandles="1" noChangeArrowheads="1" noChangeShapeType="1" noTextEdit="1"/>
+          </p:cNvSpPr>
+          <p:nvPr>
+            <p:extLst>
+              <p:ext uri="{386F3935-93C4-4BCD-93E2-E3B085C9AB24}">
+                <p16:designElem xmlns:p16="http://schemas.microsoft.com/office/powerpoint/2015/main" val="1"/>
+              </p:ext>
+            </p:extLst>
+          </p:nvPr>
+        </p:nvSpPr>
+        <p:spPr>
+          <a:xfrm>
+            <a:off x="8932333" y="3048000"/>
+            <a:ext cx="3259667" cy="3810000"/>
+          </a:xfrm>
+          <a:prstGeom prst="triangle">
+            <a:avLst>
+              <a:gd name="adj" fmla="val 100000"/>
+            </a:avLst>
+          </a:prstGeom>
+          <a:solidFill>
+            <a:schemeClr val="accent2">
+              <a:alpha val="72000"/>
+            </a:schemeClr>
+          </a:solidFill>
+          <a:ln>
+            <a:noFill/>
+          </a:ln>
+          <a:effectLst/>
+        </p:spPr>
+        <p:style>
+          <a:lnRef idx="1">
+            <a:schemeClr val="accent1"/>
+          </a:lnRef>
+          <a:fillRef idx="3">
+            <a:schemeClr val="accent1"/>
+          </a:fillRef>
+          <a:effectRef idx="2">
+            <a:schemeClr val="accent1"/>
+          </a:effectRef>
+          <a:fontRef idx="minor">
+            <a:schemeClr val="lt1"/>
+          </a:fontRef>
+        </p:style>
+      </p:sp>
       <p:sp>
         <p:nvSpPr>
           <p:cNvPr id="2" name="Title 1">
@@ -5798,13 +6301,20 @@
             <p:ph type="ctrTitle"/>
           </p:nvPr>
         </p:nvSpPr>
-        <p:spPr/>
-        <p:txBody>
-          <a:bodyPr/>
-          <a:lstStyle/>
-          <a:p>
-            <a:r>
-              <a:rPr lang="pt-BR" dirty="0"/>
+        <p:spPr>
+          <a:xfrm>
+            <a:off x="4704200" y="1678665"/>
+            <a:ext cx="4569803" cy="2369131"/>
+          </a:xfrm>
+        </p:spPr>
+        <p:txBody>
+          <a:bodyPr>
+            <a:normAutofit/>
+          </a:bodyPr>
+          <a:lstStyle/>
+          <a:p>
+            <a:r>
+              <a:rPr lang="pt-BR"/>
               <a:t>Having Fun</a:t>
             </a:r>
             <a:endParaRPr lang="en-US" dirty="0"/>
@@ -5813,28 +6323,304 @@
       </p:sp>
       <p:sp>
         <p:nvSpPr>
-          <p:cNvPr id="3" name="Subtitle 2">
+          <p:cNvPr id="1035" name="Rectangle 27">
             <a:extLst>
               <a:ext uri="{FF2B5EF4-FFF2-40B4-BE49-F238E27FC236}">
-                <a16:creationId xmlns:a16="http://schemas.microsoft.com/office/drawing/2014/main" id="{B7D8A8AD-4384-40DE-A193-A1BB2C539DCF}"/>
+                <a16:creationId xmlns:a16="http://schemas.microsoft.com/office/drawing/2014/main" id="{C29C3C96-CB51-440C-B12F-E880D7386269}"/>
+              </a:ext>
+              <a:ext uri="{C183D7F6-B498-43B3-948B-1728B52AA6E4}">
+                <adec:decorative xmlns:adec="http://schemas.microsoft.com/office/drawing/2017/decorative" val="1"/>
               </a:ext>
             </a:extLst>
           </p:cNvPr>
           <p:cNvSpPr>
-            <a:spLocks noGrp="1"/>
-          </p:cNvSpPr>
-          <p:nvPr>
-            <p:ph type="subTitle" idx="1"/>
-          </p:nvPr>
-        </p:nvSpPr>
-        <p:spPr/>
-        <p:txBody>
-          <a:bodyPr/>
-          <a:lstStyle/>
-          <a:p>
-            <a:endParaRPr lang="en-US"/>
-          </a:p>
-        </p:txBody>
+            <a:spLocks noGrp="1" noRot="1" noChangeAspect="1" noMove="1" noResize="1" noEditPoints="1" noAdjustHandles="1" noChangeArrowheads="1" noChangeShapeType="1" noTextEdit="1"/>
+          </p:cNvSpPr>
+          <p:nvPr>
+            <p:extLst>
+              <p:ext uri="{386F3935-93C4-4BCD-93E2-E3B085C9AB24}">
+                <p16:designElem xmlns:p16="http://schemas.microsoft.com/office/powerpoint/2015/main" val="1"/>
+              </p:ext>
+            </p:extLst>
+          </p:nvPr>
+        </p:nvSpPr>
+        <p:spPr>
+          <a:xfrm>
+            <a:off x="9334500" y="-8467"/>
+            <a:ext cx="2854326" cy="6866467"/>
+          </a:xfrm>
+          <a:custGeom>
+            <a:avLst/>
+            <a:gdLst/>
+            <a:ahLst/>
+            <a:cxnLst/>
+            <a:rect l="l" t="t" r="r" b="b"/>
+            <a:pathLst>
+              <a:path w="2858013" h="6866467">
+                <a:moveTo>
+                  <a:pt x="0" y="0"/>
+                </a:moveTo>
+                <a:lnTo>
+                  <a:pt x="2858013" y="0"/>
+                </a:lnTo>
+                <a:lnTo>
+                  <a:pt x="2858013" y="6866467"/>
+                </a:lnTo>
+                <a:lnTo>
+                  <a:pt x="2473942" y="6866467"/>
+                </a:lnTo>
+                <a:lnTo>
+                  <a:pt x="0" y="0"/>
+                </a:lnTo>
+                <a:close/>
+              </a:path>
+            </a:pathLst>
+          </a:custGeom>
+          <a:solidFill>
+            <a:schemeClr val="accent2">
+              <a:lumMod val="75000"/>
+              <a:alpha val="47000"/>
+            </a:schemeClr>
+          </a:solidFill>
+          <a:ln>
+            <a:noFill/>
+          </a:ln>
+          <a:effectLst/>
+        </p:spPr>
+        <p:style>
+          <a:lnRef idx="1">
+            <a:schemeClr val="accent1"/>
+          </a:lnRef>
+          <a:fillRef idx="3">
+            <a:schemeClr val="accent1"/>
+          </a:fillRef>
+          <a:effectRef idx="2">
+            <a:schemeClr val="accent1"/>
+          </a:effectRef>
+          <a:fontRef idx="minor">
+            <a:schemeClr val="lt1"/>
+          </a:fontRef>
+        </p:style>
+      </p:sp>
+      <p:sp>
+        <p:nvSpPr>
+          <p:cNvPr id="1036" name="Rectangle 28">
+            <a:extLst>
+              <a:ext uri="{FF2B5EF4-FFF2-40B4-BE49-F238E27FC236}">
+                <a16:creationId xmlns:a16="http://schemas.microsoft.com/office/drawing/2014/main" id="{17070EE5-FA55-4C41-AD18-785E5F02344C}"/>
+              </a:ext>
+              <a:ext uri="{C183D7F6-B498-43B3-948B-1728B52AA6E4}">
+                <adec:decorative xmlns:adec="http://schemas.microsoft.com/office/drawing/2017/decorative" val="1"/>
+              </a:ext>
+            </a:extLst>
+          </p:cNvPr>
+          <p:cNvSpPr>
+            <a:spLocks noGrp="1" noRot="1" noChangeAspect="1" noMove="1" noResize="1" noEditPoints="1" noAdjustHandles="1" noChangeArrowheads="1" noChangeShapeType="1" noTextEdit="1"/>
+          </p:cNvSpPr>
+          <p:nvPr>
+            <p:extLst>
+              <p:ext uri="{386F3935-93C4-4BCD-93E2-E3B085C9AB24}">
+                <p16:designElem xmlns:p16="http://schemas.microsoft.com/office/powerpoint/2015/main" val="1"/>
+              </p:ext>
+            </p:extLst>
+          </p:nvPr>
+        </p:nvSpPr>
+        <p:spPr>
+          <a:xfrm>
+            <a:off x="10898730" y="-8467"/>
+            <a:ext cx="1290094" cy="6866467"/>
+          </a:xfrm>
+          <a:custGeom>
+            <a:avLst/>
+            <a:gdLst/>
+            <a:ahLst/>
+            <a:cxnLst/>
+            <a:rect l="l" t="t" r="r" b="b"/>
+            <a:pathLst>
+              <a:path w="1290094" h="6858000">
+                <a:moveTo>
+                  <a:pt x="1019735" y="0"/>
+                </a:moveTo>
+                <a:lnTo>
+                  <a:pt x="1290094" y="0"/>
+                </a:lnTo>
+                <a:lnTo>
+                  <a:pt x="1290094" y="6858000"/>
+                </a:lnTo>
+                <a:lnTo>
+                  <a:pt x="0" y="6858000"/>
+                </a:lnTo>
+                <a:lnTo>
+                  <a:pt x="1019735" y="0"/>
+                </a:lnTo>
+                <a:close/>
+              </a:path>
+            </a:pathLst>
+          </a:custGeom>
+          <a:solidFill>
+            <a:schemeClr val="accent1">
+              <a:lumMod val="60000"/>
+              <a:lumOff val="40000"/>
+              <a:alpha val="70000"/>
+            </a:schemeClr>
+          </a:solidFill>
+          <a:ln>
+            <a:noFill/>
+          </a:ln>
+          <a:effectLst/>
+        </p:spPr>
+        <p:style>
+          <a:lnRef idx="1">
+            <a:schemeClr val="accent1"/>
+          </a:lnRef>
+          <a:fillRef idx="3">
+            <a:schemeClr val="accent1"/>
+          </a:fillRef>
+          <a:effectRef idx="2">
+            <a:schemeClr val="accent1"/>
+          </a:effectRef>
+          <a:fontRef idx="minor">
+            <a:schemeClr val="lt1"/>
+          </a:fontRef>
+        </p:style>
+      </p:sp>
+      <p:sp>
+        <p:nvSpPr>
+          <p:cNvPr id="89" name="Rectangle 29">
+            <a:extLst>
+              <a:ext uri="{FF2B5EF4-FFF2-40B4-BE49-F238E27FC236}">
+                <a16:creationId xmlns:a16="http://schemas.microsoft.com/office/drawing/2014/main" id="{726DD974-2DC0-457D-B797-BFB5EB6F4303}"/>
+              </a:ext>
+              <a:ext uri="{C183D7F6-B498-43B3-948B-1728B52AA6E4}">
+                <adec:decorative xmlns:adec="http://schemas.microsoft.com/office/drawing/2017/decorative" val="1"/>
+              </a:ext>
+            </a:extLst>
+          </p:cNvPr>
+          <p:cNvSpPr>
+            <a:spLocks noGrp="1" noRot="1" noChangeAspect="1" noMove="1" noResize="1" noEditPoints="1" noAdjustHandles="1" noChangeArrowheads="1" noChangeShapeType="1" noTextEdit="1"/>
+          </p:cNvSpPr>
+          <p:nvPr>
+            <p:extLst>
+              <p:ext uri="{386F3935-93C4-4BCD-93E2-E3B085C9AB24}">
+                <p16:designElem xmlns:p16="http://schemas.microsoft.com/office/powerpoint/2015/main" val="1"/>
+              </p:ext>
+            </p:extLst>
+          </p:nvPr>
+        </p:nvSpPr>
+        <p:spPr>
+          <a:xfrm>
+            <a:off x="10938999" y="-8467"/>
+            <a:ext cx="1249825" cy="6866467"/>
+          </a:xfrm>
+          <a:custGeom>
+            <a:avLst/>
+            <a:gdLst/>
+            <a:ahLst/>
+            <a:cxnLst/>
+            <a:rect l="l" t="t" r="r" b="b"/>
+            <a:pathLst>
+              <a:path w="1249825" h="6858000">
+                <a:moveTo>
+                  <a:pt x="0" y="0"/>
+                </a:moveTo>
+                <a:lnTo>
+                  <a:pt x="1249825" y="0"/>
+                </a:lnTo>
+                <a:lnTo>
+                  <a:pt x="1249825" y="6858000"/>
+                </a:lnTo>
+                <a:lnTo>
+                  <a:pt x="1109382" y="6858000"/>
+                </a:lnTo>
+                <a:lnTo>
+                  <a:pt x="0" y="0"/>
+                </a:lnTo>
+                <a:close/>
+              </a:path>
+            </a:pathLst>
+          </a:custGeom>
+          <a:solidFill>
+            <a:schemeClr val="accent1">
+              <a:alpha val="65000"/>
+            </a:schemeClr>
+          </a:solidFill>
+          <a:ln>
+            <a:noFill/>
+          </a:ln>
+          <a:effectLst/>
+        </p:spPr>
+        <p:style>
+          <a:lnRef idx="1">
+            <a:schemeClr val="accent1"/>
+          </a:lnRef>
+          <a:fillRef idx="3">
+            <a:schemeClr val="accent1"/>
+          </a:fillRef>
+          <a:effectRef idx="2">
+            <a:schemeClr val="accent1"/>
+          </a:effectRef>
+          <a:fontRef idx="minor">
+            <a:schemeClr val="lt1"/>
+          </a:fontRef>
+        </p:style>
+      </p:sp>
+      <p:sp>
+        <p:nvSpPr>
+          <p:cNvPr id="91" name="Isosceles Triangle 90">
+            <a:extLst>
+              <a:ext uri="{FF2B5EF4-FFF2-40B4-BE49-F238E27FC236}">
+                <a16:creationId xmlns:a16="http://schemas.microsoft.com/office/drawing/2014/main" id="{EF9AFB1C-D978-4634-9E2D-78B7F70F524A}"/>
+              </a:ext>
+              <a:ext uri="{C183D7F6-B498-43B3-948B-1728B52AA6E4}">
+                <adec:decorative xmlns:adec="http://schemas.microsoft.com/office/drawing/2017/decorative" val="1"/>
+              </a:ext>
+            </a:extLst>
+          </p:cNvPr>
+          <p:cNvSpPr>
+            <a:spLocks noGrp="1" noRot="1" noChangeAspect="1" noMove="1" noResize="1" noEditPoints="1" noAdjustHandles="1" noChangeArrowheads="1" noChangeShapeType="1" noTextEdit="1"/>
+          </p:cNvSpPr>
+          <p:nvPr>
+            <p:extLst>
+              <p:ext uri="{386F3935-93C4-4BCD-93E2-E3B085C9AB24}">
+                <p16:designElem xmlns:p16="http://schemas.microsoft.com/office/powerpoint/2015/main" val="1"/>
+              </p:ext>
+            </p:extLst>
+          </p:nvPr>
+        </p:nvSpPr>
+        <p:spPr>
+          <a:xfrm>
+            <a:off x="10371666" y="3589867"/>
+            <a:ext cx="1817159" cy="3268133"/>
+          </a:xfrm>
+          <a:prstGeom prst="triangle">
+            <a:avLst>
+              <a:gd name="adj" fmla="val 100000"/>
+            </a:avLst>
+          </a:prstGeom>
+          <a:solidFill>
+            <a:schemeClr val="accent1">
+              <a:alpha val="80000"/>
+            </a:schemeClr>
+          </a:solidFill>
+          <a:ln>
+            <a:noFill/>
+          </a:ln>
+          <a:effectLst/>
+        </p:spPr>
+        <p:style>
+          <a:lnRef idx="1">
+            <a:schemeClr val="accent1"/>
+          </a:lnRef>
+          <a:fillRef idx="3">
+            <a:schemeClr val="accent1"/>
+          </a:fillRef>
+          <a:effectRef idx="2">
+            <a:schemeClr val="accent1"/>
+          </a:effectRef>
+          <a:fontRef idx="minor">
+            <a:schemeClr val="lt1"/>
+          </a:fontRef>
+        </p:style>
       </p:sp>
     </p:spTree>
     <p:extLst>

--- a/Having Fun/Having Fun.pptx
+++ b/Having Fun/Having Fun.pptx
@@ -860,7 +860,7 @@
             <a:fld id="{B61BEF0D-F0BB-DE4B-95CE-6DB70DBA9567}" type="datetimeFigureOut">
               <a:rPr lang="en-US" dirty="0"/>
               <a:pPr/>
-              <a:t>3/19/2019</a:t>
+              <a:t>3/21/2019</a:t>
             </a:fld>
             <a:endParaRPr lang="en-US" dirty="0"/>
           </a:p>
@@ -1108,7 +1108,7 @@
             <a:fld id="{B61BEF0D-F0BB-DE4B-95CE-6DB70DBA9567}" type="datetimeFigureOut">
               <a:rPr lang="en-US" dirty="0"/>
               <a:pPr/>
-              <a:t>3/19/2019</a:t>
+              <a:t>3/21/2019</a:t>
             </a:fld>
             <a:endParaRPr lang="en-US" dirty="0"/>
           </a:p>
@@ -1419,7 +1419,7 @@
             <a:fld id="{B61BEF0D-F0BB-DE4B-95CE-6DB70DBA9567}" type="datetimeFigureOut">
               <a:rPr lang="en-US" dirty="0"/>
               <a:pPr/>
-              <a:t>3/19/2019</a:t>
+              <a:t>3/21/2019</a:t>
             </a:fld>
             <a:endParaRPr lang="en-US" dirty="0"/>
           </a:p>
@@ -1749,7 +1749,7 @@
             <a:fld id="{B61BEF0D-F0BB-DE4B-95CE-6DB70DBA9567}" type="datetimeFigureOut">
               <a:rPr lang="en-US" dirty="0"/>
               <a:pPr/>
-              <a:t>3/19/2019</a:t>
+              <a:t>3/21/2019</a:t>
             </a:fld>
             <a:endParaRPr lang="en-US" dirty="0"/>
           </a:p>
@@ -2060,7 +2060,7 @@
             <a:fld id="{B61BEF0D-F0BB-DE4B-95CE-6DB70DBA9567}" type="datetimeFigureOut">
               <a:rPr lang="en-US" dirty="0"/>
               <a:pPr/>
-              <a:t>3/19/2019</a:t>
+              <a:t>3/21/2019</a:t>
             </a:fld>
             <a:endParaRPr lang="en-US" dirty="0"/>
           </a:p>
@@ -2450,7 +2450,7 @@
             <a:fld id="{B61BEF0D-F0BB-DE4B-95CE-6DB70DBA9567}" type="datetimeFigureOut">
               <a:rPr lang="en-US" dirty="0"/>
               <a:pPr/>
-              <a:t>3/19/2019</a:t>
+              <a:t>3/21/2019</a:t>
             </a:fld>
             <a:endParaRPr lang="en-US" dirty="0"/>
           </a:p>
@@ -2616,7 +2616,7 @@
           <a:p>
             <a:fld id="{55C6B4A9-1611-4792-9094-5F34BCA07E0B}" type="datetimeFigureOut">
               <a:rPr lang="en-US" dirty="0"/>
-              <a:t>3/19/2019</a:t>
+              <a:t>3/21/2019</a:t>
             </a:fld>
             <a:endParaRPr lang="en-US" dirty="0"/>
           </a:p>
@@ -2792,7 +2792,7 @@
             <a:fld id="{B61BEF0D-F0BB-DE4B-95CE-6DB70DBA9567}" type="datetimeFigureOut">
               <a:rPr lang="en-US" dirty="0"/>
               <a:pPr/>
-              <a:t>3/19/2019</a:t>
+              <a:t>3/21/2019</a:t>
             </a:fld>
             <a:endParaRPr lang="en-US" dirty="0"/>
           </a:p>
@@ -2958,7 +2958,7 @@
           <a:p>
             <a:fld id="{42A54C80-263E-416B-A8E0-580EDEADCBDC}" type="datetimeFigureOut">
               <a:rPr lang="en-US" dirty="0"/>
-              <a:t>3/19/2019</a:t>
+              <a:t>3/21/2019</a:t>
             </a:fld>
             <a:endParaRPr lang="en-US" dirty="0"/>
           </a:p>
@@ -3201,7 +3201,7 @@
             <a:fld id="{B61BEF0D-F0BB-DE4B-95CE-6DB70DBA9567}" type="datetimeFigureOut">
               <a:rPr lang="en-US" dirty="0"/>
               <a:pPr/>
-              <a:t>3/19/2019</a:t>
+              <a:t>3/21/2019</a:t>
             </a:fld>
             <a:endParaRPr lang="en-US" dirty="0"/>
           </a:p>
@@ -3429,7 +3429,7 @@
           <a:p>
             <a:fld id="{42A54C80-263E-416B-A8E0-580EDEADCBDC}" type="datetimeFigureOut">
               <a:rPr lang="en-US" dirty="0"/>
-              <a:t>3/19/2019</a:t>
+              <a:t>3/21/2019</a:t>
             </a:fld>
             <a:endParaRPr lang="en-US" dirty="0"/>
           </a:p>
@@ -3799,7 +3799,7 @@
             <a:fld id="{B61BEF0D-F0BB-DE4B-95CE-6DB70DBA9567}" type="datetimeFigureOut">
               <a:rPr lang="en-US" dirty="0"/>
               <a:pPr/>
-              <a:t>3/19/2019</a:t>
+              <a:t>3/21/2019</a:t>
             </a:fld>
             <a:endParaRPr lang="en-US" dirty="0"/>
           </a:p>
@@ -3919,7 +3919,7 @@
             <a:fld id="{B61BEF0D-F0BB-DE4B-95CE-6DB70DBA9567}" type="datetimeFigureOut">
               <a:rPr lang="en-US" dirty="0"/>
               <a:pPr/>
-              <a:t>3/19/2019</a:t>
+              <a:t>3/21/2019</a:t>
             </a:fld>
             <a:endParaRPr lang="en-US" dirty="0"/>
           </a:p>
@@ -4011,7 +4011,7 @@
             <a:fld id="{B61BEF0D-F0BB-DE4B-95CE-6DB70DBA9567}" type="datetimeFigureOut">
               <a:rPr lang="en-US" dirty="0"/>
               <a:pPr/>
-              <a:t>3/19/2019</a:t>
+              <a:t>3/21/2019</a:t>
             </a:fld>
             <a:endParaRPr lang="en-US" dirty="0"/>
           </a:p>
@@ -4262,7 +4262,7 @@
           <a:p>
             <a:fld id="{42A54C80-263E-416B-A8E0-580EDEADCBDC}" type="datetimeFigureOut">
               <a:rPr lang="en-US" dirty="0"/>
-              <a:t>3/19/2019</a:t>
+              <a:t>3/21/2019</a:t>
             </a:fld>
             <a:endParaRPr lang="en-US" dirty="0"/>
           </a:p>
@@ -4564,7 +4564,7 @@
             <a:fld id="{B61BEF0D-F0BB-DE4B-95CE-6DB70DBA9567}" type="datetimeFigureOut">
               <a:rPr lang="en-US" dirty="0"/>
               <a:pPr/>
-              <a:t>3/19/2019</a:t>
+              <a:t>3/21/2019</a:t>
             </a:fld>
             <a:endParaRPr lang="en-US" dirty="0"/>
           </a:p>
@@ -5262,7 +5262,7 @@
             <a:fld id="{B61BEF0D-F0BB-DE4B-95CE-6DB70DBA9567}" type="datetimeFigureOut">
               <a:rPr lang="en-US" dirty="0"/>
               <a:pPr/>
-              <a:t>3/19/2019</a:t>
+              <a:t>3/21/2019</a:t>
             </a:fld>
             <a:endParaRPr lang="en-US" dirty="0"/>
           </a:p>
@@ -6314,8 +6314,37 @@
           <a:lstStyle/>
           <a:p>
             <a:r>
-              <a:rPr lang="pt-BR"/>
-              <a:t>Having Fun</a:t>
+              <a:rPr lang="pt-BR" dirty="0" err="1"/>
+              <a:t>Having</a:t>
+            </a:r>
+            <a:r>
+              <a:rPr lang="pt-BR" dirty="0"/>
+              <a:t> </a:t>
+            </a:r>
+            <a:r>
+              <a:rPr lang="pt-BR" dirty="0" err="1"/>
+              <a:t>Fun</a:t>
+            </a:r>
+            <a:br>
+              <a:rPr lang="pt-BR" sz="6000" dirty="0"/>
+            </a:br>
+            <a:r>
+              <a:rPr lang="pt-BR" sz="2000" dirty="0"/>
+              <a:t>Fernando Kruse</a:t>
+            </a:r>
+            <a:br>
+              <a:rPr lang="pt-BR" sz="2000" dirty="0"/>
+            </a:br>
+            <a:r>
+              <a:rPr lang="pt-BR" sz="2000" dirty="0"/>
+              <a:t>Andre Queiroz</a:t>
+            </a:r>
+            <a:br>
+              <a:rPr lang="pt-BR" sz="2000" dirty="0"/>
+            </a:br>
+            <a:r>
+              <a:rPr lang="pt-BR" sz="2000" dirty="0" err="1"/>
+              <a:t>Lukasz_Blicharz</a:t>
             </a:r>
             <a:endParaRPr lang="en-US" dirty="0"/>
           </a:p>

--- a/Having Fun/Having Fun.pptx
+++ b/Having Fun/Having Fun.pptx
@@ -8,6 +8,10 @@
     <p:sldId id="256" r:id="rId2"/>
     <p:sldId id="257" r:id="rId3"/>
     <p:sldId id="258" r:id="rId4"/>
+    <p:sldId id="259" r:id="rId5"/>
+    <p:sldId id="260" r:id="rId6"/>
+    <p:sldId id="261" r:id="rId7"/>
+    <p:sldId id="262" r:id="rId8"/>
   </p:sldIdLst>
   <p:sldSz cx="12192000" cy="6858000"/>
   <p:notesSz cx="6858000" cy="9144000"/>
@@ -6881,7 +6885,12 @@
             <p:ph idx="1"/>
           </p:nvPr>
         </p:nvSpPr>
-        <p:spPr/>
+        <p:spPr>
+          <a:xfrm>
+            <a:off x="677334" y="1270000"/>
+            <a:ext cx="8664630" cy="3880773"/>
+          </a:xfrm>
+        </p:spPr>
         <p:txBody>
           <a:bodyPr/>
           <a:lstStyle/>
@@ -6900,6 +6909,14 @@
             <a:endParaRPr lang="en-US" dirty="0"/>
           </a:p>
           <a:p>
+            <a:pPr lvl="1"/>
+            <a:endParaRPr lang="en-US" dirty="0"/>
+          </a:p>
+          <a:p>
+            <a:pPr lvl="1"/>
+            <a:endParaRPr lang="en-US" dirty="0"/>
+          </a:p>
+          <a:p>
             <a:pPr marL="457200" lvl="1" indent="0">
               <a:buNone/>
             </a:pPr>
@@ -6910,10 +6927,562 @@
           </a:p>
         </p:txBody>
       </p:sp>
+      <p:pic>
+        <p:nvPicPr>
+          <p:cNvPr id="4" name="Picture 3">
+            <a:extLst>
+              <a:ext uri="{FF2B5EF4-FFF2-40B4-BE49-F238E27FC236}">
+                <a16:creationId xmlns:a16="http://schemas.microsoft.com/office/drawing/2014/main" id="{B002D6DE-C811-47E5-BC97-DDD8CCBA93B1}"/>
+              </a:ext>
+            </a:extLst>
+          </p:cNvPr>
+          <p:cNvPicPr>
+            <a:picLocks noChangeAspect="1"/>
+          </p:cNvPicPr>
+          <p:nvPr/>
+        </p:nvPicPr>
+        <p:blipFill>
+          <a:blip r:embed="rId3"/>
+          <a:stretch>
+            <a:fillRect/>
+          </a:stretch>
+        </p:blipFill>
+        <p:spPr>
+          <a:xfrm>
+            <a:off x="904239" y="2590800"/>
+            <a:ext cx="8525395" cy="2824480"/>
+          </a:xfrm>
+          <a:prstGeom prst="rect">
+            <a:avLst/>
+          </a:prstGeom>
+        </p:spPr>
+      </p:pic>
     </p:spTree>
     <p:extLst>
       <p:ext uri="{BB962C8B-B14F-4D97-AF65-F5344CB8AC3E}">
         <p14:creationId xmlns:p14="http://schemas.microsoft.com/office/powerpoint/2010/main" val="2803283021"/>
+      </p:ext>
+    </p:extLst>
+  </p:cSld>
+  <p:clrMapOvr>
+    <a:masterClrMapping/>
+  </p:clrMapOvr>
+</p:sld>
+</file>
+
+<file path=ppt/slides/slide4.xml><?xml version="1.0" encoding="utf-8"?>
+<p:sld xmlns:a="http://schemas.openxmlformats.org/drawingml/2006/main" xmlns:r="http://schemas.openxmlformats.org/officeDocument/2006/relationships" xmlns:p="http://schemas.openxmlformats.org/presentationml/2006/main">
+  <p:cSld>
+    <p:spTree>
+      <p:nvGrpSpPr>
+        <p:cNvPr id="1" name=""/>
+        <p:cNvGrpSpPr/>
+        <p:nvPr/>
+      </p:nvGrpSpPr>
+      <p:grpSpPr>
+        <a:xfrm>
+          <a:off x="0" y="0"/>
+          <a:ext cx="0" cy="0"/>
+          <a:chOff x="0" y="0"/>
+          <a:chExt cx="0" cy="0"/>
+        </a:xfrm>
+      </p:grpSpPr>
+      <p:sp>
+        <p:nvSpPr>
+          <p:cNvPr id="3" name="Content Placeholder 2">
+            <a:extLst>
+              <a:ext uri="{FF2B5EF4-FFF2-40B4-BE49-F238E27FC236}">
+                <a16:creationId xmlns:a16="http://schemas.microsoft.com/office/drawing/2014/main" id="{E2A794CE-5FF9-4F8F-96BD-AED793BC1F5F}"/>
+              </a:ext>
+            </a:extLst>
+          </p:cNvPr>
+          <p:cNvSpPr>
+            <a:spLocks noGrp="1"/>
+          </p:cNvSpPr>
+          <p:nvPr>
+            <p:ph idx="1"/>
+          </p:nvPr>
+        </p:nvSpPr>
+        <p:spPr>
+          <a:xfrm>
+            <a:off x="609372" y="1290320"/>
+            <a:ext cx="8664630" cy="3880773"/>
+          </a:xfrm>
+        </p:spPr>
+        <p:txBody>
+          <a:bodyPr/>
+          <a:lstStyle/>
+          <a:p>
+            <a:pPr lvl="1"/>
+            <a:endParaRPr lang="pt-BR" dirty="0"/>
+          </a:p>
+          <a:p>
+            <a:pPr lvl="1"/>
+            <a:endParaRPr lang="en-US" dirty="0"/>
+          </a:p>
+          <a:p>
+            <a:pPr lvl="1"/>
+            <a:endParaRPr lang="en-US" dirty="0"/>
+          </a:p>
+          <a:p>
+            <a:pPr marL="457200" lvl="1" indent="0">
+              <a:buNone/>
+            </a:pPr>
+            <a:r>
+              <a:rPr lang="en-US" dirty="0"/>
+              <a:t> </a:t>
+            </a:r>
+          </a:p>
+        </p:txBody>
+      </p:sp>
+      <p:pic>
+        <p:nvPicPr>
+          <p:cNvPr id="5" name="Picture 4">
+            <a:extLst>
+              <a:ext uri="{FF2B5EF4-FFF2-40B4-BE49-F238E27FC236}">
+                <a16:creationId xmlns:a16="http://schemas.microsoft.com/office/drawing/2014/main" id="{558FFD0E-B6F3-4C83-A0CB-59D58FE872A0}"/>
+              </a:ext>
+            </a:extLst>
+          </p:cNvPr>
+          <p:cNvPicPr>
+            <a:picLocks noChangeAspect="1"/>
+          </p:cNvPicPr>
+          <p:nvPr/>
+        </p:nvPicPr>
+        <p:blipFill>
+          <a:blip r:embed="rId2"/>
+          <a:stretch>
+            <a:fillRect/>
+          </a:stretch>
+        </p:blipFill>
+        <p:spPr>
+          <a:xfrm>
+            <a:off x="370703" y="985838"/>
+            <a:ext cx="9141968" cy="1788160"/>
+          </a:xfrm>
+          <a:prstGeom prst="rect">
+            <a:avLst/>
+          </a:prstGeom>
+        </p:spPr>
+      </p:pic>
+      <p:pic>
+        <p:nvPicPr>
+          <p:cNvPr id="6" name="Picture 5">
+            <a:extLst>
+              <a:ext uri="{FF2B5EF4-FFF2-40B4-BE49-F238E27FC236}">
+                <a16:creationId xmlns:a16="http://schemas.microsoft.com/office/drawing/2014/main" id="{25CDD018-D183-49C8-B7AA-285CAE6B8005}"/>
+              </a:ext>
+            </a:extLst>
+          </p:cNvPr>
+          <p:cNvPicPr>
+            <a:picLocks noChangeAspect="1"/>
+          </p:cNvPicPr>
+          <p:nvPr/>
+        </p:nvPicPr>
+        <p:blipFill>
+          <a:blip r:embed="rId3"/>
+          <a:stretch>
+            <a:fillRect/>
+          </a:stretch>
+        </p:blipFill>
+        <p:spPr>
+          <a:xfrm>
+            <a:off x="1398694" y="3217838"/>
+            <a:ext cx="6959295" cy="2432634"/>
+          </a:xfrm>
+          <a:prstGeom prst="rect">
+            <a:avLst/>
+          </a:prstGeom>
+        </p:spPr>
+      </p:pic>
+    </p:spTree>
+    <p:extLst>
+      <p:ext uri="{BB962C8B-B14F-4D97-AF65-F5344CB8AC3E}">
+        <p14:creationId xmlns:p14="http://schemas.microsoft.com/office/powerpoint/2010/main" val="4027239793"/>
+      </p:ext>
+    </p:extLst>
+  </p:cSld>
+  <p:clrMapOvr>
+    <a:masterClrMapping/>
+  </p:clrMapOvr>
+</p:sld>
+</file>
+
+<file path=ppt/slides/slide5.xml><?xml version="1.0" encoding="utf-8"?>
+<p:sld xmlns:a="http://schemas.openxmlformats.org/drawingml/2006/main" xmlns:r="http://schemas.openxmlformats.org/officeDocument/2006/relationships" xmlns:p="http://schemas.openxmlformats.org/presentationml/2006/main">
+  <p:cSld>
+    <p:spTree>
+      <p:nvGrpSpPr>
+        <p:cNvPr id="1" name=""/>
+        <p:cNvGrpSpPr/>
+        <p:nvPr/>
+      </p:nvGrpSpPr>
+      <p:grpSpPr>
+        <a:xfrm>
+          <a:off x="0" y="0"/>
+          <a:ext cx="0" cy="0"/>
+          <a:chOff x="0" y="0"/>
+          <a:chExt cx="0" cy="0"/>
+        </a:xfrm>
+      </p:grpSpPr>
+      <p:sp>
+        <p:nvSpPr>
+          <p:cNvPr id="3" name="Content Placeholder 2">
+            <a:extLst>
+              <a:ext uri="{FF2B5EF4-FFF2-40B4-BE49-F238E27FC236}">
+                <a16:creationId xmlns:a16="http://schemas.microsoft.com/office/drawing/2014/main" id="{E2A794CE-5FF9-4F8F-96BD-AED793BC1F5F}"/>
+              </a:ext>
+            </a:extLst>
+          </p:cNvPr>
+          <p:cNvSpPr>
+            <a:spLocks noGrp="1"/>
+          </p:cNvSpPr>
+          <p:nvPr>
+            <p:ph idx="1"/>
+          </p:nvPr>
+        </p:nvSpPr>
+        <p:spPr>
+          <a:xfrm>
+            <a:off x="609372" y="1290320"/>
+            <a:ext cx="8664630" cy="3880773"/>
+          </a:xfrm>
+        </p:spPr>
+        <p:txBody>
+          <a:bodyPr/>
+          <a:lstStyle/>
+          <a:p>
+            <a:pPr lvl="1"/>
+            <a:endParaRPr lang="pt-BR" dirty="0"/>
+          </a:p>
+          <a:p>
+            <a:pPr lvl="1"/>
+            <a:endParaRPr lang="en-US" dirty="0"/>
+          </a:p>
+          <a:p>
+            <a:pPr lvl="1"/>
+            <a:endParaRPr lang="en-US" dirty="0"/>
+          </a:p>
+          <a:p>
+            <a:pPr marL="457200" lvl="1" indent="0">
+              <a:buNone/>
+            </a:pPr>
+            <a:r>
+              <a:rPr lang="en-US" dirty="0"/>
+              <a:t> </a:t>
+            </a:r>
+          </a:p>
+        </p:txBody>
+      </p:sp>
+      <p:pic>
+        <p:nvPicPr>
+          <p:cNvPr id="4" name="Picture 3">
+            <a:extLst>
+              <a:ext uri="{FF2B5EF4-FFF2-40B4-BE49-F238E27FC236}">
+                <a16:creationId xmlns:a16="http://schemas.microsoft.com/office/drawing/2014/main" id="{CC14C28F-8A0E-4E44-A94A-8C3E92518371}"/>
+              </a:ext>
+            </a:extLst>
+          </p:cNvPr>
+          <p:cNvPicPr>
+            <a:picLocks noChangeAspect="1"/>
+          </p:cNvPicPr>
+          <p:nvPr/>
+        </p:nvPicPr>
+        <p:blipFill>
+          <a:blip r:embed="rId2"/>
+          <a:stretch>
+            <a:fillRect/>
+          </a:stretch>
+        </p:blipFill>
+        <p:spPr>
+          <a:xfrm>
+            <a:off x="894080" y="806097"/>
+            <a:ext cx="8517334" cy="3034383"/>
+          </a:xfrm>
+          <a:prstGeom prst="rect">
+            <a:avLst/>
+          </a:prstGeom>
+        </p:spPr>
+      </p:pic>
+      <p:pic>
+        <p:nvPicPr>
+          <p:cNvPr id="7" name="Picture 6">
+            <a:extLst>
+              <a:ext uri="{FF2B5EF4-FFF2-40B4-BE49-F238E27FC236}">
+                <a16:creationId xmlns:a16="http://schemas.microsoft.com/office/drawing/2014/main" id="{22C057FA-4A4E-4E78-BE76-157B87F57866}"/>
+              </a:ext>
+            </a:extLst>
+          </p:cNvPr>
+          <p:cNvPicPr>
+            <a:picLocks noChangeAspect="1"/>
+          </p:cNvPicPr>
+          <p:nvPr/>
+        </p:nvPicPr>
+        <p:blipFill>
+          <a:blip r:embed="rId3"/>
+          <a:stretch>
+            <a:fillRect/>
+          </a:stretch>
+        </p:blipFill>
+        <p:spPr>
+          <a:xfrm>
+            <a:off x="677334" y="4022384"/>
+            <a:ext cx="9022080" cy="1544257"/>
+          </a:xfrm>
+          <a:prstGeom prst="rect">
+            <a:avLst/>
+          </a:prstGeom>
+        </p:spPr>
+      </p:pic>
+    </p:spTree>
+    <p:extLst>
+      <p:ext uri="{BB962C8B-B14F-4D97-AF65-F5344CB8AC3E}">
+        <p14:creationId xmlns:p14="http://schemas.microsoft.com/office/powerpoint/2010/main" val="1279704063"/>
+      </p:ext>
+    </p:extLst>
+  </p:cSld>
+  <p:clrMapOvr>
+    <a:masterClrMapping/>
+  </p:clrMapOvr>
+</p:sld>
+</file>
+
+<file path=ppt/slides/slide6.xml><?xml version="1.0" encoding="utf-8"?>
+<p:sld xmlns:a="http://schemas.openxmlformats.org/drawingml/2006/main" xmlns:r="http://schemas.openxmlformats.org/officeDocument/2006/relationships" xmlns:p="http://schemas.openxmlformats.org/presentationml/2006/main">
+  <p:cSld>
+    <p:spTree>
+      <p:nvGrpSpPr>
+        <p:cNvPr id="1" name=""/>
+        <p:cNvGrpSpPr/>
+        <p:nvPr/>
+      </p:nvGrpSpPr>
+      <p:grpSpPr>
+        <a:xfrm>
+          <a:off x="0" y="0"/>
+          <a:ext cx="0" cy="0"/>
+          <a:chOff x="0" y="0"/>
+          <a:chExt cx="0" cy="0"/>
+        </a:xfrm>
+      </p:grpSpPr>
+      <p:sp>
+        <p:nvSpPr>
+          <p:cNvPr id="3" name="Content Placeholder 2">
+            <a:extLst>
+              <a:ext uri="{FF2B5EF4-FFF2-40B4-BE49-F238E27FC236}">
+                <a16:creationId xmlns:a16="http://schemas.microsoft.com/office/drawing/2014/main" id="{E2A794CE-5FF9-4F8F-96BD-AED793BC1F5F}"/>
+              </a:ext>
+            </a:extLst>
+          </p:cNvPr>
+          <p:cNvSpPr>
+            <a:spLocks noGrp="1"/>
+          </p:cNvSpPr>
+          <p:nvPr>
+            <p:ph idx="1"/>
+          </p:nvPr>
+        </p:nvSpPr>
+        <p:spPr>
+          <a:xfrm>
+            <a:off x="609372" y="1290320"/>
+            <a:ext cx="8664630" cy="3880773"/>
+          </a:xfrm>
+        </p:spPr>
+        <p:txBody>
+          <a:bodyPr/>
+          <a:lstStyle/>
+          <a:p>
+            <a:pPr lvl="1"/>
+            <a:endParaRPr lang="pt-BR" dirty="0"/>
+          </a:p>
+          <a:p>
+            <a:pPr lvl="1"/>
+            <a:endParaRPr lang="en-US" dirty="0"/>
+          </a:p>
+          <a:p>
+            <a:pPr lvl="1"/>
+            <a:endParaRPr lang="en-US" dirty="0"/>
+          </a:p>
+          <a:p>
+            <a:pPr marL="457200" lvl="1" indent="0">
+              <a:buNone/>
+            </a:pPr>
+            <a:r>
+              <a:rPr lang="en-US" dirty="0"/>
+              <a:t> </a:t>
+            </a:r>
+          </a:p>
+        </p:txBody>
+      </p:sp>
+      <p:pic>
+        <p:nvPicPr>
+          <p:cNvPr id="2" name="Picture 1">
+            <a:extLst>
+              <a:ext uri="{FF2B5EF4-FFF2-40B4-BE49-F238E27FC236}">
+                <a16:creationId xmlns:a16="http://schemas.microsoft.com/office/drawing/2014/main" id="{F495A618-82AD-4F57-8ED2-8681AB183E07}"/>
+              </a:ext>
+            </a:extLst>
+          </p:cNvPr>
+          <p:cNvPicPr>
+            <a:picLocks noChangeAspect="1"/>
+          </p:cNvPicPr>
+          <p:nvPr/>
+        </p:nvPicPr>
+        <p:blipFill>
+          <a:blip r:embed="rId2"/>
+          <a:stretch>
+            <a:fillRect/>
+          </a:stretch>
+        </p:blipFill>
+        <p:spPr>
+          <a:xfrm>
+            <a:off x="1188543" y="551468"/>
+            <a:ext cx="5581650" cy="2476500"/>
+          </a:xfrm>
+          <a:prstGeom prst="rect">
+            <a:avLst/>
+          </a:prstGeom>
+        </p:spPr>
+      </p:pic>
+      <p:pic>
+        <p:nvPicPr>
+          <p:cNvPr id="5" name="Picture 4">
+            <a:extLst>
+              <a:ext uri="{FF2B5EF4-FFF2-40B4-BE49-F238E27FC236}">
+                <a16:creationId xmlns:a16="http://schemas.microsoft.com/office/drawing/2014/main" id="{93F3FF67-97AD-4545-865D-F71E0458DDE7}"/>
+              </a:ext>
+            </a:extLst>
+          </p:cNvPr>
+          <p:cNvPicPr>
+            <a:picLocks noChangeAspect="1"/>
+          </p:cNvPicPr>
+          <p:nvPr/>
+        </p:nvPicPr>
+        <p:blipFill>
+          <a:blip r:embed="rId3"/>
+          <a:stretch>
+            <a:fillRect/>
+          </a:stretch>
+        </p:blipFill>
+        <p:spPr>
+          <a:xfrm>
+            <a:off x="4146055" y="3230706"/>
+            <a:ext cx="5248275" cy="3381375"/>
+          </a:xfrm>
+          <a:prstGeom prst="rect">
+            <a:avLst/>
+          </a:prstGeom>
+        </p:spPr>
+      </p:pic>
+    </p:spTree>
+    <p:extLst>
+      <p:ext uri="{BB962C8B-B14F-4D97-AF65-F5344CB8AC3E}">
+        <p14:creationId xmlns:p14="http://schemas.microsoft.com/office/powerpoint/2010/main" val="130465937"/>
+      </p:ext>
+    </p:extLst>
+  </p:cSld>
+  <p:clrMapOvr>
+    <a:masterClrMapping/>
+  </p:clrMapOvr>
+</p:sld>
+</file>
+
+<file path=ppt/slides/slide7.xml><?xml version="1.0" encoding="utf-8"?>
+<p:sld xmlns:a="http://schemas.openxmlformats.org/drawingml/2006/main" xmlns:r="http://schemas.openxmlformats.org/officeDocument/2006/relationships" xmlns:p="http://schemas.openxmlformats.org/presentationml/2006/main">
+  <p:cSld>
+    <p:spTree>
+      <p:nvGrpSpPr>
+        <p:cNvPr id="1" name=""/>
+        <p:cNvGrpSpPr/>
+        <p:nvPr/>
+      </p:nvGrpSpPr>
+      <p:grpSpPr>
+        <a:xfrm>
+          <a:off x="0" y="0"/>
+          <a:ext cx="0" cy="0"/>
+          <a:chOff x="0" y="0"/>
+          <a:chExt cx="0" cy="0"/>
+        </a:xfrm>
+      </p:grpSpPr>
+      <p:sp>
+        <p:nvSpPr>
+          <p:cNvPr id="3" name="Content Placeholder 2">
+            <a:extLst>
+              <a:ext uri="{FF2B5EF4-FFF2-40B4-BE49-F238E27FC236}">
+                <a16:creationId xmlns:a16="http://schemas.microsoft.com/office/drawing/2014/main" id="{E2A794CE-5FF9-4F8F-96BD-AED793BC1F5F}"/>
+              </a:ext>
+            </a:extLst>
+          </p:cNvPr>
+          <p:cNvSpPr>
+            <a:spLocks noGrp="1"/>
+          </p:cNvSpPr>
+          <p:nvPr>
+            <p:ph idx="1"/>
+          </p:nvPr>
+        </p:nvSpPr>
+        <p:spPr>
+          <a:xfrm>
+            <a:off x="609372" y="1290320"/>
+            <a:ext cx="8664630" cy="3880773"/>
+          </a:xfrm>
+        </p:spPr>
+        <p:txBody>
+          <a:bodyPr/>
+          <a:lstStyle/>
+          <a:p>
+            <a:pPr lvl="1"/>
+            <a:endParaRPr lang="pt-BR" dirty="0"/>
+          </a:p>
+          <a:p>
+            <a:pPr lvl="1"/>
+            <a:endParaRPr lang="en-US" dirty="0"/>
+          </a:p>
+          <a:p>
+            <a:pPr lvl="1"/>
+            <a:endParaRPr lang="en-US" dirty="0"/>
+          </a:p>
+          <a:p>
+            <a:pPr marL="457200" lvl="1" indent="0">
+              <a:buNone/>
+            </a:pPr>
+            <a:r>
+              <a:rPr lang="en-US" dirty="0"/>
+              <a:t> </a:t>
+            </a:r>
+          </a:p>
+        </p:txBody>
+      </p:sp>
+      <p:pic>
+        <p:nvPicPr>
+          <p:cNvPr id="4" name="Picture 3">
+            <a:extLst>
+              <a:ext uri="{FF2B5EF4-FFF2-40B4-BE49-F238E27FC236}">
+                <a16:creationId xmlns:a16="http://schemas.microsoft.com/office/drawing/2014/main" id="{6E1DC073-E21F-450F-95B6-CE9F91F2CF7A}"/>
+              </a:ext>
+            </a:extLst>
+          </p:cNvPr>
+          <p:cNvPicPr>
+            <a:picLocks noChangeAspect="1"/>
+          </p:cNvPicPr>
+          <p:nvPr/>
+        </p:nvPicPr>
+        <p:blipFill>
+          <a:blip r:embed="rId2"/>
+          <a:stretch>
+            <a:fillRect/>
+          </a:stretch>
+        </p:blipFill>
+        <p:spPr>
+          <a:xfrm>
+            <a:off x="780903" y="1290320"/>
+            <a:ext cx="8493099" cy="3534881"/>
+          </a:xfrm>
+          <a:prstGeom prst="rect">
+            <a:avLst/>
+          </a:prstGeom>
+        </p:spPr>
+      </p:pic>
+    </p:spTree>
+    <p:extLst>
+      <p:ext uri="{BB962C8B-B14F-4D97-AF65-F5344CB8AC3E}">
+        <p14:creationId xmlns:p14="http://schemas.microsoft.com/office/powerpoint/2010/main" val="2857113427"/>
       </p:ext>
     </p:extLst>
   </p:cSld>

--- a/Having Fun/Having Fun.pptx
+++ b/Having Fun/Having Fun.pptx
@@ -6732,12 +6732,18 @@
         </p:nvSpPr>
         <p:spPr/>
         <p:txBody>
-          <a:bodyPr/>
+          <a:bodyPr>
+            <a:normAutofit/>
+          </a:bodyPr>
           <a:lstStyle/>
           <a:p>
             <a:r>
+              <a:rPr lang="en-US" dirty="0"/>
+              <a:t>Use a Supervised Machine Learning algorithm to discover amount of money needed to be spend to reach happiness during your travels</a:t>
+            </a:r>
+            <a:r>
               <a:rPr lang="pt-BR" dirty="0"/>
-              <a:t>Use a Supervised Machine Learning algoritm to suggest destinations for traveling based on historial information from customers, considering:</a:t>
+              <a:t>, considering:</a:t>
             </a:r>
           </a:p>
           <a:p>
